--- a/Ideation submission presentation - Big Hope.pptx
+++ b/Ideation submission presentation - Big Hope.pptx
@@ -47688,7 +47688,7 @@
       </p:pic>
       <p:pic>
         <p:nvPicPr>
-          <p:cNvPr id="6" name="Picture 5"/>
+          <p:cNvPr id="9" name="Picture 8"/>
           <p:cNvPicPr>
             <a:picLocks noChangeAspect="1"/>
           </p:cNvPicPr>
@@ -47708,38 +47708,8 @@
         </p:blipFill>
         <p:spPr>
           <a:xfrm>
-            <a:off x="5531962" y="3695560"/>
-            <a:ext cx="870593" cy="870593"/>
-          </a:xfrm>
-          <a:prstGeom prst="rect">
-            <a:avLst/>
-          </a:prstGeom>
-        </p:spPr>
-      </p:pic>
-      <p:pic>
-        <p:nvPicPr>
-          <p:cNvPr id="9" name="Picture 8"/>
-          <p:cNvPicPr>
-            <a:picLocks noChangeAspect="1"/>
-          </p:cNvPicPr>
-          <p:nvPr/>
-        </p:nvPicPr>
-        <p:blipFill>
-          <a:blip r:embed="rId5" cstate="print">
-            <a:extLst>
-              <a:ext uri="{28A0092B-C50C-407E-A947-70E740481C1C}">
-                <a14:useLocalDpi xmlns:a14="http://schemas.microsoft.com/office/drawing/2010/main" val="0"/>
-              </a:ext>
-            </a:extLst>
-          </a:blip>
-          <a:stretch>
-            <a:fillRect/>
-          </a:stretch>
-        </p:blipFill>
-        <p:spPr>
-          <a:xfrm>
-            <a:off x="3863874" y="3449869"/>
-            <a:ext cx="1361976" cy="1361976"/>
+            <a:off x="3729380" y="3400599"/>
+            <a:ext cx="1231262" cy="1361976"/>
           </a:xfrm>
           <a:prstGeom prst="rect">
             <a:avLst/>
@@ -47755,7 +47725,7 @@
           <p:nvPr/>
         </p:nvPicPr>
         <p:blipFill>
-          <a:blip r:embed="rId6">
+          <a:blip r:embed="rId5">
             <a:extLst>
               <a:ext uri="{28A0092B-C50C-407E-A947-70E740481C1C}">
                 <a14:useLocalDpi xmlns:a14="http://schemas.microsoft.com/office/drawing/2010/main" val="0"/>
@@ -47768,7 +47738,7 @@
         </p:blipFill>
         <p:spPr>
           <a:xfrm>
-            <a:off x="6767092" y="3551915"/>
+            <a:off x="6766768" y="3532421"/>
             <a:ext cx="1198699" cy="1084278"/>
           </a:xfrm>
           <a:prstGeom prst="rect">
@@ -47785,7 +47755,7 @@
           <p:nvPr/>
         </p:nvPicPr>
         <p:blipFill>
-          <a:blip r:embed="rId7">
+          <a:blip r:embed="rId6">
             <a:extLst>
               <a:ext uri="{28A0092B-C50C-407E-A947-70E740481C1C}">
                 <a14:useLocalDpi xmlns:a14="http://schemas.microsoft.com/office/drawing/2010/main" val="0"/>
@@ -47815,7 +47785,7 @@
           <p:nvPr/>
         </p:nvPicPr>
         <p:blipFill>
-          <a:blip r:embed="rId8" cstate="print">
+          <a:blip r:embed="rId7" cstate="print">
             <a:extLst>
               <a:ext uri="{28A0092B-C50C-407E-A947-70E740481C1C}">
                 <a14:useLocalDpi xmlns:a14="http://schemas.microsoft.com/office/drawing/2010/main" val="0"/>
@@ -47845,7 +47815,7 @@
           <p:nvPr/>
         </p:nvPicPr>
         <p:blipFill>
-          <a:blip r:embed="rId9" cstate="print">
+          <a:blip r:embed="rId8" cstate="print">
             <a:extLst>
               <a:ext uri="{28A0092B-C50C-407E-A947-70E740481C1C}">
                 <a14:useLocalDpi xmlns:a14="http://schemas.microsoft.com/office/drawing/2010/main" val="0"/>
@@ -47875,7 +47845,7 @@
           <p:nvPr/>
         </p:nvPicPr>
         <p:blipFill>
-          <a:blip r:embed="rId10" cstate="print">
+          <a:blip r:embed="rId9" cstate="print">
             <a:extLst>
               <a:ext uri="{28A0092B-C50C-407E-A947-70E740481C1C}">
                 <a14:useLocalDpi xmlns:a14="http://schemas.microsoft.com/office/drawing/2010/main" val="0"/>
@@ -47905,7 +47875,7 @@
           <p:nvPr/>
         </p:nvPicPr>
         <p:blipFill>
-          <a:blip r:embed="rId11">
+          <a:blip r:embed="rId10">
             <a:extLst>
               <a:ext uri="{28A0092B-C50C-407E-A947-70E740481C1C}">
                 <a14:useLocalDpi xmlns:a14="http://schemas.microsoft.com/office/drawing/2010/main" val="0"/>
@@ -47918,7 +47888,7 @@
         </p:blipFill>
         <p:spPr>
           <a:xfrm>
-            <a:off x="199523" y="2881977"/>
+            <a:off x="199523" y="2869785"/>
             <a:ext cx="636270" cy="636270"/>
           </a:xfrm>
           <a:prstGeom prst="rect">
@@ -47935,7 +47905,7 @@
           <p:nvPr/>
         </p:nvPicPr>
         <p:blipFill>
-          <a:blip r:embed="rId4" cstate="print">
+          <a:blip r:embed="rId11" cstate="print">
             <a:extLst>
               <a:ext uri="{28A0092B-C50C-407E-A947-70E740481C1C}">
                 <a14:useLocalDpi xmlns:a14="http://schemas.microsoft.com/office/drawing/2010/main" val="0"/>
@@ -47978,38 +47948,8 @@
         </p:blipFill>
         <p:spPr>
           <a:xfrm>
-            <a:off x="1190495" y="2787754"/>
+            <a:off x="1190495" y="2775562"/>
             <a:ext cx="800331" cy="800331"/>
-          </a:xfrm>
-          <a:prstGeom prst="rect">
-            <a:avLst/>
-          </a:prstGeom>
-        </p:spPr>
-      </p:pic>
-      <p:pic>
-        <p:nvPicPr>
-          <p:cNvPr id="21" name="Picture 20"/>
-          <p:cNvPicPr>
-            <a:picLocks noChangeAspect="1"/>
-          </p:cNvPicPr>
-          <p:nvPr/>
-        </p:nvPicPr>
-        <p:blipFill>
-          <a:blip r:embed="rId13">
-            <a:extLst>
-              <a:ext uri="{28A0092B-C50C-407E-A947-70E740481C1C}">
-                <a14:useLocalDpi xmlns:a14="http://schemas.microsoft.com/office/drawing/2010/main" val="0"/>
-              </a:ext>
-            </a:extLst>
-          </a:blip>
-          <a:stretch>
-            <a:fillRect/>
-          </a:stretch>
-        </p:blipFill>
-        <p:spPr>
-          <a:xfrm>
-            <a:off x="2274406" y="2498598"/>
-            <a:ext cx="1346474" cy="1378642"/>
           </a:xfrm>
           <a:prstGeom prst="rect">
             <a:avLst/>
@@ -48027,7 +47967,7 @@
         </p:nvCxnSpPr>
         <p:spPr bwMode="auto">
           <a:xfrm flipV="1">
-            <a:off x="835793" y="3187920"/>
+            <a:off x="835793" y="3175728"/>
             <a:ext cx="354702" cy="12192"/>
           </a:xfrm>
           <a:prstGeom prst="straightConnector1">
@@ -48083,13 +48023,16 @@
       <p:cxnSp>
         <p:nvCxnSpPr>
           <p:cNvPr id="29" name="Straight Arrow Connector 28"/>
-          <p:cNvCxnSpPr/>
+          <p:cNvCxnSpPr>
+            <a:stCxn id="20" idx="3"/>
+            <a:endCxn id="45" idx="1"/>
+          </p:cNvCxnSpPr>
           <p:nvPr/>
         </p:nvCxnSpPr>
         <p:spPr bwMode="auto">
           <a:xfrm flipV="1">
-            <a:off x="2076170" y="3187919"/>
-            <a:ext cx="283580" cy="1"/>
+            <a:off x="1990826" y="3161157"/>
+            <a:ext cx="499308" cy="14571"/>
           </a:xfrm>
           <a:prstGeom prst="straightConnector1">
             <a:avLst/>
@@ -48151,8 +48094,8 @@
         </p:nvCxnSpPr>
         <p:spPr bwMode="auto">
           <a:xfrm>
-            <a:off x="3403479" y="3200112"/>
-            <a:ext cx="1141383" cy="249757"/>
+            <a:off x="3268984" y="3150842"/>
+            <a:ext cx="1076027" cy="249757"/>
           </a:xfrm>
           <a:prstGeom prst="bentConnector2">
             <a:avLst/>
@@ -48183,72 +48126,10 @@
         </p:nvCxnSpPr>
         <p:spPr bwMode="auto">
           <a:xfrm flipV="1">
-            <a:off x="3384580" y="4811845"/>
-            <a:ext cx="1160282" cy="215058"/>
+            <a:off x="3384580" y="4762575"/>
+            <a:ext cx="960431" cy="264328"/>
           </a:xfrm>
           <a:prstGeom prst="bentConnector2">
-            <a:avLst/>
-          </a:prstGeom>
-          <a:solidFill>
-            <a:schemeClr val="accent1"/>
-          </a:solidFill>
-          <a:ln w="9525" cap="flat" cmpd="sng" algn="ctr">
-            <a:solidFill>
-              <a:schemeClr val="tx1"/>
-            </a:solidFill>
-            <a:prstDash val="solid"/>
-            <a:round/>
-            <a:headEnd type="none" w="med" len="med"/>
-            <a:tailEnd type="triangle"/>
-          </a:ln>
-          <a:effectLst/>
-        </p:spPr>
-      </p:cxnSp>
-      <p:cxnSp>
-        <p:nvCxnSpPr>
-          <p:cNvPr id="49" name="Straight Arrow Connector 48"/>
-          <p:cNvCxnSpPr>
-            <a:endCxn id="6" idx="1"/>
-          </p:cNvCxnSpPr>
-          <p:nvPr/>
-        </p:nvCxnSpPr>
-        <p:spPr bwMode="auto">
-          <a:xfrm>
-            <a:off x="4995928" y="4130856"/>
-            <a:ext cx="536034" cy="1"/>
-          </a:xfrm>
-          <a:prstGeom prst="straightConnector1">
-            <a:avLst/>
-          </a:prstGeom>
-          <a:solidFill>
-            <a:schemeClr val="accent1"/>
-          </a:solidFill>
-          <a:ln w="9525" cap="flat" cmpd="sng" algn="ctr">
-            <a:solidFill>
-              <a:schemeClr val="tx1"/>
-            </a:solidFill>
-            <a:prstDash val="solid"/>
-            <a:round/>
-            <a:headEnd type="none" w="med" len="med"/>
-            <a:tailEnd type="triangle"/>
-          </a:ln>
-          <a:effectLst/>
-        </p:spPr>
-      </p:cxnSp>
-      <p:cxnSp>
-        <p:nvCxnSpPr>
-          <p:cNvPr id="52" name="Straight Arrow Connector 51"/>
-          <p:cNvCxnSpPr>
-            <a:stCxn id="6" idx="3"/>
-          </p:cNvCxnSpPr>
-          <p:nvPr/>
-        </p:nvCxnSpPr>
-        <p:spPr bwMode="auto">
-          <a:xfrm flipV="1">
-            <a:off x="6402555" y="4130856"/>
-            <a:ext cx="397789" cy="1"/>
-          </a:xfrm>
-          <a:prstGeom prst="straightConnector1">
             <a:avLst/>
           </a:prstGeom>
           <a:solidFill>
@@ -48275,7 +48156,7 @@
           <p:nvPr/>
         </p:nvPicPr>
         <p:blipFill>
-          <a:blip r:embed="rId4" cstate="print">
+          <a:blip r:embed="rId11" cstate="print">
             <a:extLst>
               <a:ext uri="{28A0092B-C50C-407E-A947-70E740481C1C}">
                 <a14:useLocalDpi xmlns:a14="http://schemas.microsoft.com/office/drawing/2010/main" val="0"/>
@@ -48369,7 +48250,7 @@
           <p:nvPr/>
         </p:nvPicPr>
         <p:blipFill>
-          <a:blip r:embed="rId14" cstate="print">
+          <a:blip r:embed="rId13" cstate="print">
             <a:extLst>
               <a:ext uri="{28A0092B-C50C-407E-A947-70E740481C1C}">
                 <a14:useLocalDpi xmlns:a14="http://schemas.microsoft.com/office/drawing/2010/main" val="0"/>
@@ -48463,7 +48344,7 @@
           <p:nvPr/>
         </p:nvPicPr>
         <p:blipFill>
-          <a:blip r:embed="rId15" cstate="print">
+          <a:blip r:embed="rId14" cstate="print">
             <a:extLst>
               <a:ext uri="{28A0092B-C50C-407E-A947-70E740481C1C}">
                 <a14:useLocalDpi xmlns:a14="http://schemas.microsoft.com/office/drawing/2010/main" val="0"/>
@@ -48552,7 +48433,7 @@
         </p:nvSpPr>
         <p:spPr>
           <a:xfrm>
-            <a:off x="4122617" y="4484212"/>
+            <a:off x="3942329" y="4360734"/>
             <a:ext cx="799385" cy="307777"/>
           </a:xfrm>
           <a:prstGeom prst="rect">
@@ -48714,7 +48595,7 @@
         </p:nvSpPr>
         <p:spPr>
           <a:xfrm>
-            <a:off x="2300792" y="3782196"/>
+            <a:off x="5253581" y="3060961"/>
             <a:ext cx="1419150" cy="253916"/>
           </a:xfrm>
           <a:prstGeom prst="rect">
@@ -48770,6 +48651,236 @@
             <a:prstDash val="solid"/>
             <a:round/>
             <a:headEnd type="triangle"/>
+            <a:tailEnd type="triangle"/>
+          </a:ln>
+          <a:effectLst/>
+        </p:spPr>
+      </p:cxnSp>
+      <p:pic>
+        <p:nvPicPr>
+          <p:cNvPr id="45" name="Picture 44"/>
+          <p:cNvPicPr>
+            <a:picLocks noChangeAspect="1"/>
+          </p:cNvPicPr>
+          <p:nvPr/>
+        </p:nvPicPr>
+        <p:blipFill>
+          <a:blip r:embed="rId11" cstate="print">
+            <a:extLst>
+              <a:ext uri="{28A0092B-C50C-407E-A947-70E740481C1C}">
+                <a14:useLocalDpi xmlns:a14="http://schemas.microsoft.com/office/drawing/2010/main" val="0"/>
+              </a:ext>
+            </a:extLst>
+          </a:blip>
+          <a:stretch>
+            <a:fillRect/>
+          </a:stretch>
+        </p:blipFill>
+        <p:spPr>
+          <a:xfrm>
+            <a:off x="2490134" y="2725860"/>
+            <a:ext cx="870593" cy="870593"/>
+          </a:xfrm>
+          <a:prstGeom prst="rect">
+            <a:avLst/>
+          </a:prstGeom>
+        </p:spPr>
+      </p:pic>
+      <p:grpSp>
+        <p:nvGrpSpPr>
+          <p:cNvPr id="23" name="Group 22"/>
+          <p:cNvGrpSpPr/>
+          <p:nvPr/>
+        </p:nvGrpSpPr>
+        <p:grpSpPr>
+          <a:xfrm>
+            <a:off x="5120828" y="3021726"/>
+            <a:ext cx="1489244" cy="2105668"/>
+            <a:chOff x="5057103" y="2787754"/>
+            <a:chExt cx="1733970" cy="2658522"/>
+          </a:xfrm>
+        </p:grpSpPr>
+        <p:pic>
+          <p:nvPicPr>
+            <p:cNvPr id="6" name="Picture 5"/>
+            <p:cNvPicPr>
+              <a:picLocks noChangeAspect="1"/>
+            </p:cNvPicPr>
+            <p:nvPr/>
+          </p:nvPicPr>
+          <p:blipFill>
+            <a:blip r:embed="rId11" cstate="print">
+              <a:extLst>
+                <a:ext uri="{28A0092B-C50C-407E-A947-70E740481C1C}">
+                  <a14:useLocalDpi xmlns:a14="http://schemas.microsoft.com/office/drawing/2010/main" val="0"/>
+                </a:ext>
+              </a:extLst>
+            </a:blip>
+            <a:stretch>
+              <a:fillRect/>
+            </a:stretch>
+          </p:blipFill>
+          <p:spPr>
+            <a:xfrm>
+              <a:off x="5515698" y="4171354"/>
+              <a:ext cx="870593" cy="870593"/>
+            </a:xfrm>
+            <a:prstGeom prst="rect">
+              <a:avLst/>
+            </a:prstGeom>
+          </p:spPr>
+        </p:pic>
+        <p:pic>
+          <p:nvPicPr>
+            <p:cNvPr id="21" name="Picture 20"/>
+            <p:cNvPicPr>
+              <a:picLocks noChangeAspect="1"/>
+            </p:cNvPicPr>
+            <p:nvPr/>
+          </p:nvPicPr>
+          <p:blipFill>
+            <a:blip r:embed="rId15" cstate="print">
+              <a:extLst>
+                <a:ext uri="{28A0092B-C50C-407E-A947-70E740481C1C}">
+                  <a14:useLocalDpi xmlns:a14="http://schemas.microsoft.com/office/drawing/2010/main" val="0"/>
+                </a:ext>
+              </a:extLst>
+            </a:blip>
+            <a:stretch>
+              <a:fillRect/>
+            </a:stretch>
+          </p:blipFill>
+          <p:spPr>
+            <a:xfrm>
+              <a:off x="5361530" y="3120892"/>
+              <a:ext cx="1019987" cy="1044355"/>
+            </a:xfrm>
+            <a:prstGeom prst="rect">
+              <a:avLst/>
+            </a:prstGeom>
+          </p:spPr>
+        </p:pic>
+        <p:sp>
+          <p:nvSpPr>
+            <p:cNvPr id="22" name="Rounded Rectangle 21"/>
+            <p:cNvSpPr/>
+            <p:nvPr/>
+          </p:nvSpPr>
+          <p:spPr bwMode="auto">
+            <a:xfrm>
+              <a:off x="5057103" y="2787754"/>
+              <a:ext cx="1733970" cy="2658522"/>
+            </a:xfrm>
+            <a:prstGeom prst="roundRect">
+              <a:avLst/>
+            </a:prstGeom>
+            <a:noFill/>
+            <a:ln w="9525" cap="flat" cmpd="sng" algn="ctr">
+              <a:solidFill>
+                <a:schemeClr val="tx1"/>
+              </a:solidFill>
+              <a:prstDash val="sysDash"/>
+              <a:round/>
+              <a:headEnd type="none" w="med" len="med"/>
+              <a:tailEnd type="none" w="med" len="med"/>
+            </a:ln>
+            <a:effectLst/>
+          </p:spPr>
+          <p:txBody>
+            <a:bodyPr vert="horz" wrap="square" lIns="91440" tIns="45720" rIns="91440" bIns="45720" numCol="1" rtlCol="0" anchor="t" anchorCtr="0" compatLnSpc="1">
+              <a:prstTxWarp prst="textNoShape">
+                <a:avLst/>
+              </a:prstTxWarp>
+            </a:bodyPr>
+            <a:lstStyle/>
+            <a:p>
+              <a:pPr marL="0" marR="0" indent="0" algn="l" defTabSz="914400" rtl="0" eaLnBrk="0" fontAlgn="base" latinLnBrk="0" hangingPunct="0">
+                <a:lnSpc>
+                  <a:spcPct val="100000"/>
+                </a:lnSpc>
+                <a:spcBef>
+                  <a:spcPct val="0"/>
+                </a:spcBef>
+                <a:spcAft>
+                  <a:spcPct val="0"/>
+                </a:spcAft>
+                <a:buClrTx/>
+                <a:buSzTx/>
+                <a:buFontTx/>
+                <a:buNone/>
+                <a:tabLst/>
+              </a:pPr>
+              <a:endParaRPr kumimoji="0" lang="en-US" sz="2400" b="0" i="0" u="none" strike="noStrike" cap="none" normalizeH="0" baseline="0" smtClean="0">
+                <a:ln>
+                  <a:noFill/>
+                </a:ln>
+                <a:solidFill>
+                  <a:schemeClr val="tx1"/>
+                </a:solidFill>
+                <a:effectLst/>
+                <a:latin typeface="Arial" pitchFamily="34" charset="0"/>
+                <a:ea typeface="ＭＳ Ｐゴシック"/>
+                <a:cs typeface="ＭＳ Ｐゴシック"/>
+              </a:endParaRPr>
+            </a:p>
+          </p:txBody>
+        </p:sp>
+      </p:grpSp>
+      <p:cxnSp>
+        <p:nvCxnSpPr>
+          <p:cNvPr id="68" name="Straight Arrow Connector 67"/>
+          <p:cNvCxnSpPr>
+            <a:endCxn id="22" idx="1"/>
+          </p:cNvCxnSpPr>
+          <p:nvPr/>
+        </p:nvCxnSpPr>
+        <p:spPr bwMode="auto">
+          <a:xfrm flipV="1">
+            <a:off x="4691883" y="4074560"/>
+            <a:ext cx="428945" cy="2084"/>
+          </a:xfrm>
+          <a:prstGeom prst="straightConnector1">
+            <a:avLst/>
+          </a:prstGeom>
+          <a:solidFill>
+            <a:schemeClr val="accent1"/>
+          </a:solidFill>
+          <a:ln w="9525" cap="flat" cmpd="sng" algn="ctr">
+            <a:solidFill>
+              <a:schemeClr val="tx1"/>
+            </a:solidFill>
+            <a:prstDash val="solid"/>
+            <a:round/>
+            <a:headEnd type="none" w="med" len="med"/>
+            <a:tailEnd type="triangle"/>
+          </a:ln>
+          <a:effectLst/>
+        </p:spPr>
+      </p:cxnSp>
+      <p:cxnSp>
+        <p:nvCxnSpPr>
+          <p:cNvPr id="72" name="Straight Arrow Connector 71"/>
+          <p:cNvCxnSpPr/>
+          <p:nvPr/>
+        </p:nvCxnSpPr>
+        <p:spPr bwMode="auto">
+          <a:xfrm>
+            <a:off x="6681424" y="4074560"/>
+            <a:ext cx="256226" cy="0"/>
+          </a:xfrm>
+          <a:prstGeom prst="straightConnector1">
+            <a:avLst/>
+          </a:prstGeom>
+          <a:solidFill>
+            <a:schemeClr val="accent1"/>
+          </a:solidFill>
+          <a:ln w="9525" cap="flat" cmpd="sng" algn="ctr">
+            <a:solidFill>
+              <a:schemeClr val="tx1"/>
+            </a:solidFill>
+            <a:prstDash val="solid"/>
+            <a:round/>
+            <a:headEnd type="none" w="med" len="med"/>
             <a:tailEnd type="triangle"/>
           </a:ln>
           <a:effectLst/>
